--- a/Virágbolt.pptx
+++ b/Virágbolt.pptx
@@ -6,8 +6,13 @@
   </p:sldMasterIdLst>
   <p:sldIdLst>
     <p:sldId id="256" r:id="rId2"/>
-    <p:sldId id="257" r:id="rId3"/>
-    <p:sldId id="258" r:id="rId4"/>
+    <p:sldId id="258" r:id="rId3"/>
+    <p:sldId id="257" r:id="rId4"/>
+    <p:sldId id="259" r:id="rId5"/>
+    <p:sldId id="260" r:id="rId6"/>
+    <p:sldId id="261" r:id="rId7"/>
+    <p:sldId id="262" r:id="rId8"/>
+    <p:sldId id="263" r:id="rId9"/>
   </p:sldIdLst>
   <p:sldSz cx="12192000" cy="6858000"/>
   <p:notesSz cx="6858000" cy="9144000"/>
@@ -106,6 +111,11 @@
       </a:defRPr>
     </a:lvl9pPr>
   </p:defaultTextStyle>
+  <p:extLst>
+    <p:ext uri="{EFAFB233-063F-42B5-8137-9DF3F51BA10A}">
+      <p15:sldGuideLst xmlns:p15="http://schemas.microsoft.com/office/powerpoint/2012/main"/>
+    </p:ext>
+  </p:extLst>
 </p:presentation>
 </file>
 
@@ -3471,7 +3481,7 @@
           <p:cNvPr id="2" name="Title 1">
             <a:extLst>
               <a:ext uri="{FF2B5EF4-FFF2-40B4-BE49-F238E27FC236}">
-                <a16:creationId xmlns:a16="http://schemas.microsoft.com/office/drawing/2014/main" id="{9FDFB3FB-21E7-4CB4-B9E9-ADE87538F01B}"/>
+                <a16:creationId xmlns:a16="http://schemas.microsoft.com/office/drawing/2014/main" id="{32CE9D0C-5491-41FA-A630-11B59EF075FA}"/>
               </a:ext>
             </a:extLst>
           </p:cNvPr>
@@ -3489,46 +3499,63 @@
           <a:p>
             <a:r>
               <a:rPr lang="hu-HU" dirty="0"/>
-              <a:t>Főoldal</a:t>
-            </a:r>
-          </a:p>
-        </p:txBody>
-      </p:sp>
-      <p:pic>
-        <p:nvPicPr>
-          <p:cNvPr id="4" name="Content Placeholder 3">
-            <a:extLst>
-              <a:ext uri="{FF2B5EF4-FFF2-40B4-BE49-F238E27FC236}">
-                <a16:creationId xmlns:a16="http://schemas.microsoft.com/office/drawing/2014/main" id="{A3341726-620A-4C7E-8041-321C43900C22}"/>
-              </a:ext>
-            </a:extLst>
-          </p:cNvPr>
-          <p:cNvPicPr>
-            <a:picLocks noGrp="1" noChangeAspect="1"/>
-          </p:cNvPicPr>
+              <a:t>Használt programok	</a:t>
+            </a:r>
+          </a:p>
+        </p:txBody>
+      </p:sp>
+      <p:sp>
+        <p:nvSpPr>
+          <p:cNvPr id="3" name="Content Placeholder 2">
+            <a:extLst>
+              <a:ext uri="{FF2B5EF4-FFF2-40B4-BE49-F238E27FC236}">
+                <a16:creationId xmlns:a16="http://schemas.microsoft.com/office/drawing/2014/main" id="{274A6EEA-43F6-46CF-9E90-0894E6B12E4F}"/>
+              </a:ext>
+            </a:extLst>
+          </p:cNvPr>
+          <p:cNvSpPr>
+            <a:spLocks noGrp="1"/>
+          </p:cNvSpPr>
           <p:nvPr>
             <p:ph idx="1"/>
           </p:nvPr>
-        </p:nvPicPr>
-        <p:blipFill rotWithShape="1">
-          <a:blip r:embed="rId2"/>
-          <a:srcRect l="9" t="7662" r="1"/>
-          <a:stretch/>
-        </p:blipFill>
-        <p:spPr>
-          <a:xfrm>
-            <a:off x="1405467" y="1836470"/>
-            <a:ext cx="9381065" cy="4656405"/>
-          </a:xfrm>
-          <a:prstGeom prst="rect">
-            <a:avLst/>
-          </a:prstGeom>
-        </p:spPr>
-      </p:pic>
+        </p:nvSpPr>
+        <p:spPr/>
+        <p:txBody>
+          <a:bodyPr/>
+          <a:lstStyle/>
+          <a:p>
+            <a:r>
+              <a:rPr lang="hu-HU" dirty="0" err="1"/>
+              <a:t>Html</a:t>
+            </a:r>
+            <a:endParaRPr lang="hu-HU" dirty="0"/>
+          </a:p>
+          <a:p>
+            <a:r>
+              <a:rPr lang="hu-HU" dirty="0" err="1"/>
+              <a:t>Javascript</a:t>
+            </a:r>
+            <a:endParaRPr lang="hu-HU" dirty="0"/>
+          </a:p>
+          <a:p>
+            <a:r>
+              <a:rPr lang="hu-HU" dirty="0"/>
+              <a:t>CSS</a:t>
+            </a:r>
+          </a:p>
+          <a:p>
+            <a:r>
+              <a:rPr lang="hu-HU" dirty="0"/>
+              <a:t>JSON</a:t>
+            </a:r>
+          </a:p>
+        </p:txBody>
+      </p:sp>
     </p:spTree>
     <p:extLst>
       <p:ext uri="{BB962C8B-B14F-4D97-AF65-F5344CB8AC3E}">
-        <p14:creationId xmlns:p14="http://schemas.microsoft.com/office/powerpoint/2010/main" val="3601346757"/>
+        <p14:creationId xmlns:p14="http://schemas.microsoft.com/office/powerpoint/2010/main" val="2383862961"/>
       </p:ext>
     </p:extLst>
   </p:cSld>
@@ -3570,7 +3597,7 @@
           <p:cNvPr id="2" name="Title 1">
             <a:extLst>
               <a:ext uri="{FF2B5EF4-FFF2-40B4-BE49-F238E27FC236}">
-                <a16:creationId xmlns:a16="http://schemas.microsoft.com/office/drawing/2014/main" id="{32CE9D0C-5491-41FA-A630-11B59EF075FA}"/>
+                <a16:creationId xmlns:a16="http://schemas.microsoft.com/office/drawing/2014/main" id="{9FDFB3FB-21E7-4CB4-B9E9-ADE87538F01B}"/>
               </a:ext>
             </a:extLst>
           </p:cNvPr>
@@ -3586,39 +3613,527 @@
           <a:bodyPr/>
           <a:lstStyle/>
           <a:p>
-            <a:endParaRPr lang="hu-HU"/>
-          </a:p>
-        </p:txBody>
-      </p:sp>
-      <p:sp>
-        <p:nvSpPr>
-          <p:cNvPr id="3" name="Content Placeholder 2">
-            <a:extLst>
-              <a:ext uri="{FF2B5EF4-FFF2-40B4-BE49-F238E27FC236}">
-                <a16:creationId xmlns:a16="http://schemas.microsoft.com/office/drawing/2014/main" id="{274A6EEA-43F6-46CF-9E90-0894E6B12E4F}"/>
-              </a:ext>
-            </a:extLst>
-          </p:cNvPr>
-          <p:cNvSpPr>
-            <a:spLocks noGrp="1"/>
-          </p:cNvSpPr>
+            <a:r>
+              <a:rPr lang="hu-HU" dirty="0"/>
+              <a:t>Főoldal</a:t>
+            </a:r>
+          </a:p>
+        </p:txBody>
+      </p:sp>
+      <p:pic>
+        <p:nvPicPr>
+          <p:cNvPr id="4" name="Content Placeholder 3">
+            <a:extLst>
+              <a:ext uri="{FF2B5EF4-FFF2-40B4-BE49-F238E27FC236}">
+                <a16:creationId xmlns:a16="http://schemas.microsoft.com/office/drawing/2014/main" id="{A3341726-620A-4C7E-8041-321C43900C22}"/>
+              </a:ext>
+            </a:extLst>
+          </p:cNvPr>
+          <p:cNvPicPr>
+            <a:picLocks noGrp="1" noChangeAspect="1"/>
+          </p:cNvPicPr>
           <p:nvPr>
             <p:ph idx="1"/>
           </p:nvPr>
-        </p:nvSpPr>
-        <p:spPr/>
-        <p:txBody>
-          <a:bodyPr/>
-          <a:lstStyle/>
-          <a:p>
-            <a:endParaRPr lang="hu-HU"/>
-          </a:p>
-        </p:txBody>
-      </p:sp>
+        </p:nvPicPr>
+        <p:blipFill rotWithShape="1">
+          <a:blip r:embed="rId2"/>
+          <a:srcRect l="9" t="7662" r="1"/>
+          <a:stretch/>
+        </p:blipFill>
+        <p:spPr>
+          <a:xfrm>
+            <a:off x="1405467" y="1836470"/>
+            <a:ext cx="9381065" cy="4656405"/>
+          </a:xfrm>
+          <a:prstGeom prst="rect">
+            <a:avLst/>
+          </a:prstGeom>
+        </p:spPr>
+      </p:pic>
     </p:spTree>
     <p:extLst>
       <p:ext uri="{BB962C8B-B14F-4D97-AF65-F5344CB8AC3E}">
-        <p14:creationId xmlns:p14="http://schemas.microsoft.com/office/powerpoint/2010/main" val="2383862961"/>
+        <p14:creationId xmlns:p14="http://schemas.microsoft.com/office/powerpoint/2010/main" val="3601346757"/>
+      </p:ext>
+    </p:extLst>
+  </p:cSld>
+  <p:clrMapOvr>
+    <a:masterClrMapping/>
+  </p:clrMapOvr>
+</p:sld>
+</file>
+
+<file path=ppt/slides/slide4.xml><?xml version="1.0" encoding="utf-8"?>
+<p:sld xmlns:a="http://schemas.openxmlformats.org/drawingml/2006/main" xmlns:r="http://schemas.openxmlformats.org/officeDocument/2006/relationships" xmlns:p="http://schemas.openxmlformats.org/presentationml/2006/main">
+  <p:cSld>
+    <p:bg>
+      <p:bgPr>
+        <a:solidFill>
+          <a:schemeClr val="bg1">
+            <a:lumMod val="85000"/>
+          </a:schemeClr>
+        </a:solidFill>
+        <a:effectLst/>
+      </p:bgPr>
+    </p:bg>
+    <p:spTree>
+      <p:nvGrpSpPr>
+        <p:cNvPr id="1" name=""/>
+        <p:cNvGrpSpPr/>
+        <p:nvPr/>
+      </p:nvGrpSpPr>
+      <p:grpSpPr>
+        <a:xfrm>
+          <a:off x="0" y="0"/>
+          <a:ext cx="0" cy="0"/>
+          <a:chOff x="0" y="0"/>
+          <a:chExt cx="0" cy="0"/>
+        </a:xfrm>
+      </p:grpSpPr>
+      <p:sp>
+        <p:nvSpPr>
+          <p:cNvPr id="2" name="Title 1">
+            <a:extLst>
+              <a:ext uri="{FF2B5EF4-FFF2-40B4-BE49-F238E27FC236}">
+                <a16:creationId xmlns:a16="http://schemas.microsoft.com/office/drawing/2014/main" id="{9FDFB3FB-21E7-4CB4-B9E9-ADE87538F01B}"/>
+              </a:ext>
+            </a:extLst>
+          </p:cNvPr>
+          <p:cNvSpPr>
+            <a:spLocks noGrp="1"/>
+          </p:cNvSpPr>
+          <p:nvPr>
+            <p:ph type="title"/>
+          </p:nvPr>
+        </p:nvSpPr>
+        <p:spPr/>
+        <p:txBody>
+          <a:bodyPr/>
+          <a:lstStyle/>
+          <a:p>
+            <a:r>
+              <a:rPr lang="hu-HU" dirty="0"/>
+              <a:t>Bolt</a:t>
+            </a:r>
+          </a:p>
+        </p:txBody>
+      </p:sp>
+      <p:pic>
+        <p:nvPicPr>
+          <p:cNvPr id="6" name="Content Placeholder 5">
+            <a:extLst>
+              <a:ext uri="{FF2B5EF4-FFF2-40B4-BE49-F238E27FC236}">
+                <a16:creationId xmlns:a16="http://schemas.microsoft.com/office/drawing/2014/main" id="{A0E7945C-3591-459C-A57E-D2F8BA0E1197}"/>
+              </a:ext>
+            </a:extLst>
+          </p:cNvPr>
+          <p:cNvPicPr>
+            <a:picLocks noGrp="1" noChangeAspect="1"/>
+          </p:cNvPicPr>
+          <p:nvPr>
+            <p:ph idx="1"/>
+          </p:nvPr>
+        </p:nvPicPr>
+        <p:blipFill>
+          <a:blip r:embed="rId2"/>
+          <a:stretch>
+            <a:fillRect/>
+          </a:stretch>
+        </p:blipFill>
+        <p:spPr>
+          <a:xfrm>
+            <a:off x="1139438" y="1496491"/>
+            <a:ext cx="9913123" cy="4996384"/>
+          </a:xfrm>
+          <a:prstGeom prst="rect">
+            <a:avLst/>
+          </a:prstGeom>
+        </p:spPr>
+      </p:pic>
+    </p:spTree>
+    <p:extLst>
+      <p:ext uri="{BB962C8B-B14F-4D97-AF65-F5344CB8AC3E}">
+        <p14:creationId xmlns:p14="http://schemas.microsoft.com/office/powerpoint/2010/main" val="3814357604"/>
+      </p:ext>
+    </p:extLst>
+  </p:cSld>
+  <p:clrMapOvr>
+    <a:masterClrMapping/>
+  </p:clrMapOvr>
+</p:sld>
+</file>
+
+<file path=ppt/slides/slide5.xml><?xml version="1.0" encoding="utf-8"?>
+<p:sld xmlns:a="http://schemas.openxmlformats.org/drawingml/2006/main" xmlns:r="http://schemas.openxmlformats.org/officeDocument/2006/relationships" xmlns:p="http://schemas.openxmlformats.org/presentationml/2006/main">
+  <p:cSld>
+    <p:bg>
+      <p:bgPr>
+        <a:solidFill>
+          <a:schemeClr val="bg1">
+            <a:lumMod val="85000"/>
+          </a:schemeClr>
+        </a:solidFill>
+        <a:effectLst/>
+      </p:bgPr>
+    </p:bg>
+    <p:spTree>
+      <p:nvGrpSpPr>
+        <p:cNvPr id="1" name=""/>
+        <p:cNvGrpSpPr/>
+        <p:nvPr/>
+      </p:nvGrpSpPr>
+      <p:grpSpPr>
+        <a:xfrm>
+          <a:off x="0" y="0"/>
+          <a:ext cx="0" cy="0"/>
+          <a:chOff x="0" y="0"/>
+          <a:chExt cx="0" cy="0"/>
+        </a:xfrm>
+      </p:grpSpPr>
+      <p:sp>
+        <p:nvSpPr>
+          <p:cNvPr id="2" name="Title 1">
+            <a:extLst>
+              <a:ext uri="{FF2B5EF4-FFF2-40B4-BE49-F238E27FC236}">
+                <a16:creationId xmlns:a16="http://schemas.microsoft.com/office/drawing/2014/main" id="{9FDFB3FB-21E7-4CB4-B9E9-ADE87538F01B}"/>
+              </a:ext>
+            </a:extLst>
+          </p:cNvPr>
+          <p:cNvSpPr>
+            <a:spLocks noGrp="1"/>
+          </p:cNvSpPr>
+          <p:nvPr>
+            <p:ph type="title"/>
+          </p:nvPr>
+        </p:nvSpPr>
+        <p:spPr/>
+        <p:txBody>
+          <a:bodyPr/>
+          <a:lstStyle/>
+          <a:p>
+            <a:r>
+              <a:rPr lang="hu-HU" dirty="0"/>
+              <a:t>Kapcsolat</a:t>
+            </a:r>
+          </a:p>
+        </p:txBody>
+      </p:sp>
+      <p:pic>
+        <p:nvPicPr>
+          <p:cNvPr id="6" name="Content Placeholder 5">
+            <a:extLst>
+              <a:ext uri="{FF2B5EF4-FFF2-40B4-BE49-F238E27FC236}">
+                <a16:creationId xmlns:a16="http://schemas.microsoft.com/office/drawing/2014/main" id="{ADD19D06-EF48-4C29-9C9D-60281630435B}"/>
+              </a:ext>
+            </a:extLst>
+          </p:cNvPr>
+          <p:cNvPicPr>
+            <a:picLocks noGrp="1" noChangeAspect="1"/>
+          </p:cNvPicPr>
+          <p:nvPr>
+            <p:ph idx="1"/>
+          </p:nvPr>
+        </p:nvPicPr>
+        <p:blipFill>
+          <a:blip r:embed="rId2"/>
+          <a:stretch>
+            <a:fillRect/>
+          </a:stretch>
+        </p:blipFill>
+        <p:spPr>
+          <a:xfrm>
+            <a:off x="838200" y="1774182"/>
+            <a:ext cx="10515600" cy="4347218"/>
+          </a:xfrm>
+          <a:prstGeom prst="rect">
+            <a:avLst/>
+          </a:prstGeom>
+        </p:spPr>
+      </p:pic>
+    </p:spTree>
+    <p:extLst>
+      <p:ext uri="{BB962C8B-B14F-4D97-AF65-F5344CB8AC3E}">
+        <p14:creationId xmlns:p14="http://schemas.microsoft.com/office/powerpoint/2010/main" val="661648507"/>
+      </p:ext>
+    </p:extLst>
+  </p:cSld>
+  <p:clrMapOvr>
+    <a:masterClrMapping/>
+  </p:clrMapOvr>
+</p:sld>
+</file>
+
+<file path=ppt/slides/slide6.xml><?xml version="1.0" encoding="utf-8"?>
+<p:sld xmlns:a="http://schemas.openxmlformats.org/drawingml/2006/main" xmlns:r="http://schemas.openxmlformats.org/officeDocument/2006/relationships" xmlns:p="http://schemas.openxmlformats.org/presentationml/2006/main">
+  <p:cSld>
+    <p:bg>
+      <p:bgPr>
+        <a:solidFill>
+          <a:schemeClr val="bg1">
+            <a:lumMod val="85000"/>
+          </a:schemeClr>
+        </a:solidFill>
+        <a:effectLst/>
+      </p:bgPr>
+    </p:bg>
+    <p:spTree>
+      <p:nvGrpSpPr>
+        <p:cNvPr id="1" name=""/>
+        <p:cNvGrpSpPr/>
+        <p:nvPr/>
+      </p:nvGrpSpPr>
+      <p:grpSpPr>
+        <a:xfrm>
+          <a:off x="0" y="0"/>
+          <a:ext cx="0" cy="0"/>
+          <a:chOff x="0" y="0"/>
+          <a:chExt cx="0" cy="0"/>
+        </a:xfrm>
+      </p:grpSpPr>
+      <p:sp>
+        <p:nvSpPr>
+          <p:cNvPr id="2" name="Title 1">
+            <a:extLst>
+              <a:ext uri="{FF2B5EF4-FFF2-40B4-BE49-F238E27FC236}">
+                <a16:creationId xmlns:a16="http://schemas.microsoft.com/office/drawing/2014/main" id="{9FDFB3FB-21E7-4CB4-B9E9-ADE87538F01B}"/>
+              </a:ext>
+            </a:extLst>
+          </p:cNvPr>
+          <p:cNvSpPr>
+            <a:spLocks noGrp="1"/>
+          </p:cNvSpPr>
+          <p:nvPr>
+            <p:ph type="title"/>
+          </p:nvPr>
+        </p:nvSpPr>
+        <p:spPr/>
+        <p:txBody>
+          <a:bodyPr/>
+          <a:lstStyle/>
+          <a:p>
+            <a:r>
+              <a:rPr lang="hu-HU" dirty="0"/>
+              <a:t>Bolt kód</a:t>
+            </a:r>
+          </a:p>
+        </p:txBody>
+      </p:sp>
+      <p:pic>
+        <p:nvPicPr>
+          <p:cNvPr id="5" name="Content Placeholder 4">
+            <a:extLst>
+              <a:ext uri="{FF2B5EF4-FFF2-40B4-BE49-F238E27FC236}">
+                <a16:creationId xmlns:a16="http://schemas.microsoft.com/office/drawing/2014/main" id="{422045A6-B5FA-40C2-AB9B-4A9CD8437869}"/>
+              </a:ext>
+            </a:extLst>
+          </p:cNvPr>
+          <p:cNvPicPr>
+            <a:picLocks noGrp="1" noChangeAspect="1"/>
+          </p:cNvPicPr>
+          <p:nvPr>
+            <p:ph idx="1"/>
+          </p:nvPr>
+        </p:nvPicPr>
+        <p:blipFill>
+          <a:blip r:embed="rId2"/>
+          <a:stretch>
+            <a:fillRect/>
+          </a:stretch>
+        </p:blipFill>
+        <p:spPr>
+          <a:xfrm>
+            <a:off x="2133600" y="1690688"/>
+            <a:ext cx="7496571" cy="4946782"/>
+          </a:xfrm>
+          <a:prstGeom prst="rect">
+            <a:avLst/>
+          </a:prstGeom>
+        </p:spPr>
+      </p:pic>
+    </p:spTree>
+    <p:extLst>
+      <p:ext uri="{BB962C8B-B14F-4D97-AF65-F5344CB8AC3E}">
+        <p14:creationId xmlns:p14="http://schemas.microsoft.com/office/powerpoint/2010/main" val="3235285778"/>
+      </p:ext>
+    </p:extLst>
+  </p:cSld>
+  <p:clrMapOvr>
+    <a:masterClrMapping/>
+  </p:clrMapOvr>
+</p:sld>
+</file>
+
+<file path=ppt/slides/slide7.xml><?xml version="1.0" encoding="utf-8"?>
+<p:sld xmlns:a="http://schemas.openxmlformats.org/drawingml/2006/main" xmlns:r="http://schemas.openxmlformats.org/officeDocument/2006/relationships" xmlns:p="http://schemas.openxmlformats.org/presentationml/2006/main">
+  <p:cSld>
+    <p:bg>
+      <p:bgPr>
+        <a:solidFill>
+          <a:schemeClr val="bg1">
+            <a:lumMod val="85000"/>
+          </a:schemeClr>
+        </a:solidFill>
+        <a:effectLst/>
+      </p:bgPr>
+    </p:bg>
+    <p:spTree>
+      <p:nvGrpSpPr>
+        <p:cNvPr id="1" name=""/>
+        <p:cNvGrpSpPr/>
+        <p:nvPr/>
+      </p:nvGrpSpPr>
+      <p:grpSpPr>
+        <a:xfrm>
+          <a:off x="0" y="0"/>
+          <a:ext cx="0" cy="0"/>
+          <a:chOff x="0" y="0"/>
+          <a:chExt cx="0" cy="0"/>
+        </a:xfrm>
+      </p:grpSpPr>
+      <p:sp>
+        <p:nvSpPr>
+          <p:cNvPr id="2" name="Title 1">
+            <a:extLst>
+              <a:ext uri="{FF2B5EF4-FFF2-40B4-BE49-F238E27FC236}">
+                <a16:creationId xmlns:a16="http://schemas.microsoft.com/office/drawing/2014/main" id="{9FDFB3FB-21E7-4CB4-B9E9-ADE87538F01B}"/>
+              </a:ext>
+            </a:extLst>
+          </p:cNvPr>
+          <p:cNvSpPr>
+            <a:spLocks noGrp="1"/>
+          </p:cNvSpPr>
+          <p:nvPr>
+            <p:ph type="title"/>
+          </p:nvPr>
+        </p:nvSpPr>
+        <p:spPr/>
+        <p:txBody>
+          <a:bodyPr/>
+          <a:lstStyle/>
+          <a:p>
+            <a:r>
+              <a:rPr lang="hu-HU" dirty="0"/>
+              <a:t>JSON tartalma</a:t>
+            </a:r>
+          </a:p>
+        </p:txBody>
+      </p:sp>
+      <p:pic>
+        <p:nvPicPr>
+          <p:cNvPr id="6" name="Content Placeholder 5">
+            <a:extLst>
+              <a:ext uri="{FF2B5EF4-FFF2-40B4-BE49-F238E27FC236}">
+                <a16:creationId xmlns:a16="http://schemas.microsoft.com/office/drawing/2014/main" id="{C2629562-45C4-43B6-B81B-2060E434409E}"/>
+              </a:ext>
+            </a:extLst>
+          </p:cNvPr>
+          <p:cNvPicPr>
+            <a:picLocks noGrp="1" noChangeAspect="1"/>
+          </p:cNvPicPr>
+          <p:nvPr>
+            <p:ph idx="1"/>
+          </p:nvPr>
+        </p:nvPicPr>
+        <p:blipFill>
+          <a:blip r:embed="rId2"/>
+          <a:stretch>
+            <a:fillRect/>
+          </a:stretch>
+        </p:blipFill>
+        <p:spPr>
+          <a:xfrm>
+            <a:off x="215753" y="1972733"/>
+            <a:ext cx="11760494" cy="3714705"/>
+          </a:xfrm>
+          <a:prstGeom prst="rect">
+            <a:avLst/>
+          </a:prstGeom>
+        </p:spPr>
+      </p:pic>
+    </p:spTree>
+    <p:extLst>
+      <p:ext uri="{BB962C8B-B14F-4D97-AF65-F5344CB8AC3E}">
+        <p14:creationId xmlns:p14="http://schemas.microsoft.com/office/powerpoint/2010/main" val="3964209543"/>
+      </p:ext>
+    </p:extLst>
+  </p:cSld>
+  <p:clrMapOvr>
+    <a:masterClrMapping/>
+  </p:clrMapOvr>
+</p:sld>
+</file>
+
+<file path=ppt/slides/slide8.xml><?xml version="1.0" encoding="utf-8"?>
+<p:sld xmlns:a="http://schemas.openxmlformats.org/drawingml/2006/main" xmlns:r="http://schemas.openxmlformats.org/officeDocument/2006/relationships" xmlns:p="http://schemas.openxmlformats.org/presentationml/2006/main">
+  <p:cSld>
+    <p:bg>
+      <p:bgPr>
+        <a:solidFill>
+          <a:schemeClr val="bg1">
+            <a:lumMod val="85000"/>
+          </a:schemeClr>
+        </a:solidFill>
+        <a:effectLst/>
+      </p:bgPr>
+    </p:bg>
+    <p:spTree>
+      <p:nvGrpSpPr>
+        <p:cNvPr id="1" name=""/>
+        <p:cNvGrpSpPr/>
+        <p:nvPr/>
+      </p:nvGrpSpPr>
+      <p:grpSpPr>
+        <a:xfrm>
+          <a:off x="0" y="0"/>
+          <a:ext cx="0" cy="0"/>
+          <a:chOff x="0" y="0"/>
+          <a:chExt cx="0" cy="0"/>
+        </a:xfrm>
+      </p:grpSpPr>
+      <p:sp>
+        <p:nvSpPr>
+          <p:cNvPr id="2" name="Title 1">
+            <a:extLst>
+              <a:ext uri="{FF2B5EF4-FFF2-40B4-BE49-F238E27FC236}">
+                <a16:creationId xmlns:a16="http://schemas.microsoft.com/office/drawing/2014/main" id="{9FDFB3FB-21E7-4CB4-B9E9-ADE87538F01B}"/>
+              </a:ext>
+            </a:extLst>
+          </p:cNvPr>
+          <p:cNvSpPr>
+            <a:spLocks noGrp="1"/>
+          </p:cNvSpPr>
+          <p:nvPr>
+            <p:ph type="title"/>
+          </p:nvPr>
+        </p:nvSpPr>
+        <p:spPr>
+          <a:xfrm>
+            <a:off x="1151466" y="347663"/>
+            <a:ext cx="10515600" cy="6281208"/>
+          </a:xfrm>
+        </p:spPr>
+        <p:txBody>
+          <a:bodyPr>
+            <a:normAutofit/>
+          </a:bodyPr>
+          <a:lstStyle/>
+          <a:p>
+            <a:r>
+              <a:rPr lang="hu-HU" sz="8800" b="1" dirty="0">
+                <a:solidFill>
+                  <a:srgbClr val="FF0000"/>
+                </a:solidFill>
+              </a:rPr>
+              <a:t>Köszönjük a figyelmét</a:t>
+            </a:r>
+          </a:p>
+        </p:txBody>
+      </p:sp>
+    </p:spTree>
+    <p:extLst>
+      <p:ext uri="{BB962C8B-B14F-4D97-AF65-F5344CB8AC3E}">
+        <p14:creationId xmlns:p14="http://schemas.microsoft.com/office/powerpoint/2010/main" val="1415545400"/>
       </p:ext>
     </p:extLst>
   </p:cSld>
